--- a/五：人机交互/酒店工作人员.pptx
+++ b/五：人机交互/酒店工作人员.pptx
@@ -5,11 +5,15 @@
     <p:sldMasterId id="2147483648" r:id="rId1"/>
   </p:sldMasterIdLst>
   <p:sldIdLst>
-    <p:sldId id="260" r:id="rId2"/>
-    <p:sldId id="261" r:id="rId3"/>
-    <p:sldId id="271" r:id="rId4"/>
-    <p:sldId id="269" r:id="rId5"/>
-    <p:sldId id="270" r:id="rId6"/>
+    <p:sldId id="272" r:id="rId2"/>
+    <p:sldId id="273" r:id="rId3"/>
+    <p:sldId id="274" r:id="rId4"/>
+    <p:sldId id="275" r:id="rId5"/>
+    <p:sldId id="276" r:id="rId6"/>
+    <p:sldId id="261" r:id="rId7"/>
+    <p:sldId id="271" r:id="rId8"/>
+    <p:sldId id="269" r:id="rId9"/>
+    <p:sldId id="270" r:id="rId10"/>
   </p:sldIdLst>
   <p:sldSz cx="12192000" cy="6858000"/>
   <p:notesSz cx="7104063" cy="10234613"/>
@@ -245,7 +249,7 @@
           <a:p>
             <a:fld id="{82F288E0-7875-42C4-84C8-98DBBD3BF4D2}" type="datetimeFigureOut">
               <a:rPr lang="zh-CN" altLang="en-US" smtClean="0"/>
-              <a:t>2016/11/22</a:t>
+              <a:t>2017/1/2</a:t>
             </a:fld>
             <a:endParaRPr lang="zh-CN" altLang="en-US"/>
           </a:p>
@@ -391,7 +395,7 @@
           <a:p>
             <a:fld id="{82F288E0-7875-42C4-84C8-98DBBD3BF4D2}" type="datetimeFigureOut">
               <a:rPr lang="zh-CN" altLang="en-US" smtClean="0"/>
-              <a:t>2016/11/22</a:t>
+              <a:t>2017/1/2</a:t>
             </a:fld>
             <a:endParaRPr lang="zh-CN" altLang="en-US"/>
           </a:p>
@@ -554,7 +558,7 @@
           <a:p>
             <a:fld id="{82F288E0-7875-42C4-84C8-98DBBD3BF4D2}" type="datetimeFigureOut">
               <a:rPr lang="zh-CN" altLang="en-US" smtClean="0"/>
-              <a:t>2016/11/22</a:t>
+              <a:t>2017/1/2</a:t>
             </a:fld>
             <a:endParaRPr lang="zh-CN" altLang="en-US"/>
           </a:p>
@@ -794,7 +798,7 @@
           <a:p>
             <a:fld id="{82F288E0-7875-42C4-84C8-98DBBD3BF4D2}" type="datetimeFigureOut">
               <a:rPr lang="zh-CN" altLang="en-US" smtClean="0"/>
-              <a:t>2016/11/22</a:t>
+              <a:t>2017/1/2</a:t>
             </a:fld>
             <a:endParaRPr lang="zh-CN" altLang="en-US"/>
           </a:p>
@@ -1018,7 +1022,7 @@
           <a:p>
             <a:fld id="{82F288E0-7875-42C4-84C8-98DBBD3BF4D2}" type="datetimeFigureOut">
               <a:rPr lang="zh-CN" altLang="en-US" smtClean="0"/>
-              <a:t>2016/11/22</a:t>
+              <a:t>2017/1/2</a:t>
             </a:fld>
             <a:endParaRPr lang="zh-CN" altLang="en-US"/>
           </a:p>
@@ -1377,7 +1381,7 @@
           <a:p>
             <a:fld id="{82F288E0-7875-42C4-84C8-98DBBD3BF4D2}" type="datetimeFigureOut">
               <a:rPr lang="zh-CN" altLang="en-US" smtClean="0"/>
-              <a:t>2016/11/22</a:t>
+              <a:t>2017/1/2</a:t>
             </a:fld>
             <a:endParaRPr lang="zh-CN" altLang="en-US"/>
           </a:p>
@@ -1489,7 +1493,7 @@
           <a:p>
             <a:fld id="{82F288E0-7875-42C4-84C8-98DBBD3BF4D2}" type="datetimeFigureOut">
               <a:rPr lang="zh-CN" altLang="en-US" smtClean="0"/>
-              <a:t>2016/11/22</a:t>
+              <a:t>2017/1/2</a:t>
             </a:fld>
             <a:endParaRPr lang="zh-CN" altLang="en-US"/>
           </a:p>
@@ -1579,7 +1583,7 @@
           <a:p>
             <a:fld id="{82F288E0-7875-42C4-84C8-98DBBD3BF4D2}" type="datetimeFigureOut">
               <a:rPr lang="zh-CN" altLang="en-US" smtClean="0"/>
-              <a:t>2016/11/22</a:t>
+              <a:t>2017/1/2</a:t>
             </a:fld>
             <a:endParaRPr lang="zh-CN" altLang="en-US"/>
           </a:p>
@@ -1826,7 +1830,7 @@
           <a:p>
             <a:fld id="{82F288E0-7875-42C4-84C8-98DBBD3BF4D2}" type="datetimeFigureOut">
               <a:rPr lang="zh-CN" altLang="en-US" smtClean="0"/>
-              <a:t>2016/11/22</a:t>
+              <a:t>2017/1/2</a:t>
             </a:fld>
             <a:endParaRPr lang="zh-CN" altLang="en-US"/>
           </a:p>
@@ -1999,7 +2003,7 @@
           <a:p>
             <a:fld id="{82F288E0-7875-42C4-84C8-98DBBD3BF4D2}" type="datetimeFigureOut">
               <a:rPr lang="zh-CN" altLang="en-US" smtClean="0"/>
-              <a:t>2016/11/22</a:t>
+              <a:t>2017/1/2</a:t>
             </a:fld>
             <a:endParaRPr lang="zh-CN" altLang="en-US"/>
           </a:p>
@@ -2205,7 +2209,7 @@
           <a:p>
             <a:fld id="{82F288E0-7875-42C4-84C8-98DBBD3BF4D2}" type="datetimeFigureOut">
               <a:rPr lang="zh-CN" altLang="en-US" smtClean="0"/>
-              <a:t>2016/11/22</a:t>
+              <a:t>2017/1/2</a:t>
             </a:fld>
             <a:endParaRPr lang="zh-CN" altLang="en-US"/>
           </a:p>
@@ -2604,258 +2608,40 @@
           <a:chExt cx="0" cy="0"/>
         </a:xfrm>
       </p:grpSpPr>
-      <p:sp>
-        <p:nvSpPr>
-          <p:cNvPr id="4" name="矩形 3"/>
-          <p:cNvSpPr/>
+      <p:pic>
+        <p:nvPicPr>
+          <p:cNvPr id="2" name="图片 1"/>
+          <p:cNvPicPr>
+            <a:picLocks noChangeAspect="1"/>
+          </p:cNvPicPr>
           <p:nvPr/>
-        </p:nvSpPr>
+        </p:nvPicPr>
+        <p:blipFill>
+          <a:blip r:embed="rId2"/>
+          <a:stretch>
+            <a:fillRect/>
+          </a:stretch>
+        </p:blipFill>
         <p:spPr>
           <a:xfrm>
-            <a:off x="32113" y="13335"/>
-            <a:ext cx="11581130" cy="6401435"/>
+            <a:off x="3644721" y="1416676"/>
+            <a:ext cx="4975854" cy="4549905"/>
           </a:xfrm>
           <a:prstGeom prst="rect">
             <a:avLst/>
           </a:prstGeom>
-          <a:solidFill>
-            <a:schemeClr val="accent6"/>
-          </a:solidFill>
-          <a:ln>
-            <a:solidFill>
-              <a:schemeClr val="tx1"/>
-            </a:solidFill>
-          </a:ln>
         </p:spPr>
-        <p:style>
-          <a:lnRef idx="2">
-            <a:schemeClr val="accent6"/>
-          </a:lnRef>
-          <a:fillRef idx="1">
-            <a:schemeClr val="lt1"/>
-          </a:fillRef>
-          <a:effectRef idx="0">
-            <a:schemeClr val="accent6"/>
-          </a:effectRef>
-          <a:fontRef idx="minor">
-            <a:schemeClr val="dk1"/>
-          </a:fontRef>
-        </p:style>
-        <p:txBody>
-          <a:bodyPr rtlCol="0" anchor="ctr"/>
-          <a:lstStyle/>
-          <a:p>
-            <a:pPr algn="ctr"/>
-            <a:endParaRPr lang="zh-CN" altLang="en-US" dirty="0"/>
-          </a:p>
-        </p:txBody>
-      </p:sp>
+      </p:pic>
       <p:sp>
         <p:nvSpPr>
-          <p:cNvPr id="12" name="圆角矩形 11">
-            <a:hlinkClick r:id="rId2" action="ppaction://hlinksldjump"/>
-          </p:cNvPr>
-          <p:cNvSpPr/>
-          <p:nvPr/>
-        </p:nvSpPr>
-        <p:spPr>
-          <a:xfrm>
-            <a:off x="3646170" y="2425065"/>
-            <a:ext cx="1662430" cy="913130"/>
-          </a:xfrm>
-          <a:prstGeom prst="roundRect">
-            <a:avLst/>
-          </a:prstGeom>
-        </p:spPr>
-        <p:style>
-          <a:lnRef idx="2">
-            <a:schemeClr val="accent1">
-              <a:shade val="50000"/>
-            </a:schemeClr>
-          </a:lnRef>
-          <a:fillRef idx="1">
-            <a:schemeClr val="accent1"/>
-          </a:fillRef>
-          <a:effectRef idx="0">
-            <a:schemeClr val="accent1"/>
-          </a:effectRef>
-          <a:fontRef idx="minor">
-            <a:schemeClr val="lt1"/>
-          </a:fontRef>
-        </p:style>
-        <p:txBody>
-          <a:bodyPr rtlCol="0" anchor="ctr"/>
-          <a:lstStyle/>
-          <a:p>
-            <a:pPr algn="ctr"/>
-            <a:r>
-              <a:rPr lang="zh-CN" altLang="en-US" b="1">
-                <a:solidFill>
-                  <a:schemeClr val="tx1"/>
-                </a:solidFill>
-              </a:rPr>
-              <a:t>信息管理</a:t>
-            </a:r>
-          </a:p>
-        </p:txBody>
-      </p:sp>
-      <p:sp>
-        <p:nvSpPr>
-          <p:cNvPr id="13" name="圆角矩形 12">
-            <a:hlinkClick r:id="rId3" action="ppaction://hlinksldjump"/>
-          </p:cNvPr>
-          <p:cNvSpPr/>
-          <p:nvPr/>
-        </p:nvSpPr>
-        <p:spPr>
-          <a:xfrm>
-            <a:off x="6183630" y="2424430"/>
-            <a:ext cx="1692910" cy="913765"/>
-          </a:xfrm>
-          <a:prstGeom prst="roundRect">
-            <a:avLst/>
-          </a:prstGeom>
-        </p:spPr>
-        <p:style>
-          <a:lnRef idx="2">
-            <a:schemeClr val="accent1">
-              <a:shade val="50000"/>
-            </a:schemeClr>
-          </a:lnRef>
-          <a:fillRef idx="1">
-            <a:schemeClr val="accent1"/>
-          </a:fillRef>
-          <a:effectRef idx="0">
-            <a:schemeClr val="accent1"/>
-          </a:effectRef>
-          <a:fontRef idx="minor">
-            <a:schemeClr val="lt1"/>
-          </a:fontRef>
-        </p:style>
-        <p:txBody>
-          <a:bodyPr rtlCol="0" anchor="ctr"/>
-          <a:lstStyle/>
-          <a:p>
-            <a:pPr algn="ctr"/>
-            <a:r>
-              <a:rPr lang="zh-CN" altLang="en-US" b="1">
-                <a:solidFill>
-                  <a:schemeClr val="tx1"/>
-                </a:solidFill>
-              </a:rPr>
-              <a:t>信息编辑</a:t>
-            </a:r>
-          </a:p>
-        </p:txBody>
-      </p:sp>
-      <p:sp>
-        <p:nvSpPr>
-          <p:cNvPr id="14" name="圆角矩形 13">
-            <a:hlinkClick r:id="rId4" action="ppaction://hlinksldjump"/>
-          </p:cNvPr>
-          <p:cNvSpPr/>
-          <p:nvPr/>
-        </p:nvSpPr>
-        <p:spPr>
-          <a:xfrm>
-            <a:off x="927100" y="2425065"/>
-            <a:ext cx="1825625" cy="913765"/>
-          </a:xfrm>
-          <a:prstGeom prst="roundRect">
-            <a:avLst/>
-          </a:prstGeom>
-        </p:spPr>
-        <p:style>
-          <a:lnRef idx="2">
-            <a:schemeClr val="accent1">
-              <a:shade val="50000"/>
-            </a:schemeClr>
-          </a:lnRef>
-          <a:fillRef idx="1">
-            <a:schemeClr val="accent1"/>
-          </a:fillRef>
-          <a:effectRef idx="0">
-            <a:schemeClr val="accent1"/>
-          </a:effectRef>
-          <a:fontRef idx="minor">
-            <a:schemeClr val="lt1"/>
-          </a:fontRef>
-        </p:style>
-        <p:txBody>
-          <a:bodyPr rtlCol="0" anchor="ctr"/>
-          <a:lstStyle/>
-          <a:p>
-            <a:pPr algn="ctr"/>
-            <a:r>
-              <a:rPr lang="zh-CN" altLang="en-US" b="1" dirty="0">
-                <a:solidFill>
-                  <a:schemeClr val="tx1"/>
-                </a:solidFill>
-              </a:rPr>
-              <a:t>订单管理</a:t>
-            </a:r>
-          </a:p>
-        </p:txBody>
-      </p:sp>
-      <p:sp>
-        <p:nvSpPr>
-          <p:cNvPr id="15" name="圆角矩形 14">
-            <a:hlinkClick r:id="rId5" action="ppaction://hlinksldjump"/>
-          </p:cNvPr>
-          <p:cNvSpPr/>
-          <p:nvPr/>
-        </p:nvSpPr>
-        <p:spPr>
-          <a:xfrm>
-            <a:off x="8752205" y="2425700"/>
-            <a:ext cx="1692910" cy="923925"/>
-          </a:xfrm>
-          <a:prstGeom prst="roundRect">
-            <a:avLst/>
-          </a:prstGeom>
-        </p:spPr>
-        <p:style>
-          <a:lnRef idx="2">
-            <a:schemeClr val="accent1">
-              <a:shade val="50000"/>
-            </a:schemeClr>
-          </a:lnRef>
-          <a:fillRef idx="1">
-            <a:schemeClr val="accent1"/>
-          </a:fillRef>
-          <a:effectRef idx="0">
-            <a:schemeClr val="accent1"/>
-          </a:effectRef>
-          <a:fontRef idx="minor">
-            <a:schemeClr val="lt1"/>
-          </a:fontRef>
-        </p:style>
-        <p:txBody>
-          <a:bodyPr rtlCol="0" anchor="ctr"/>
-          <a:lstStyle/>
-          <a:p>
-            <a:pPr algn="ctr"/>
-            <a:r>
-              <a:rPr lang="zh-CN" altLang="en-US" b="1">
-                <a:solidFill>
-                  <a:schemeClr val="tx1"/>
-                </a:solidFill>
-              </a:rPr>
-              <a:t>营销策略制定</a:t>
-            </a:r>
-          </a:p>
-        </p:txBody>
-      </p:sp>
-      <p:sp>
-        <p:nvSpPr>
-          <p:cNvPr id="16" name="文本框 15"/>
+          <p:cNvPr id="3" name="文本框 2"/>
           <p:cNvSpPr txBox="1"/>
           <p:nvPr/>
         </p:nvSpPr>
         <p:spPr>
           <a:xfrm>
-            <a:off x="91440" y="45720"/>
-            <a:ext cx="1417320" cy="642620"/>
+            <a:off x="3928056" y="643944"/>
+            <a:ext cx="4559121" cy="369332"/>
           </a:xfrm>
           <a:prstGeom prst="rect">
             <a:avLst/>
@@ -2869,21 +2655,23 @@
           <a:lstStyle/>
           <a:p>
             <a:r>
-              <a:rPr lang="en-US" altLang="zh-CN"/>
-              <a:t>2016/10/24 16</a:t>
+              <a:rPr lang="en-US" altLang="zh-CN" dirty="0" smtClean="0"/>
+              <a:t>		</a:t>
             </a:r>
             <a:r>
-              <a:rPr lang="zh-CN" altLang="en-US"/>
-              <a:t>：</a:t>
+              <a:rPr lang="zh-CN" altLang="en-US" dirty="0" smtClean="0"/>
+              <a:t>登入界面</a:t>
             </a:r>
-            <a:r>
-              <a:rPr lang="en-US" altLang="zh-CN"/>
-              <a:t>33</a:t>
-            </a:r>
+            <a:endParaRPr lang="zh-CN" altLang="en-US" dirty="0"/>
           </a:p>
         </p:txBody>
       </p:sp>
     </p:spTree>
+    <p:extLst>
+      <p:ext uri="{BB962C8B-B14F-4D97-AF65-F5344CB8AC3E}">
+        <p14:creationId xmlns:p14="http://schemas.microsoft.com/office/powerpoint/2010/main" val="2914337223"/>
+      </p:ext>
+    </p:extLst>
   </p:cSld>
   <p:clrMapOvr>
     <a:masterClrMapping/>
@@ -2892,6 +2680,248 @@
 </file>
 
 <file path=ppt/slides/slide2.xml><?xml version="1.0" encoding="utf-8"?>
+<p:sld xmlns:a="http://schemas.openxmlformats.org/drawingml/2006/main" xmlns:r="http://schemas.openxmlformats.org/officeDocument/2006/relationships" xmlns:p="http://schemas.openxmlformats.org/presentationml/2006/main">
+  <p:cSld>
+    <p:spTree>
+      <p:nvGrpSpPr>
+        <p:cNvPr id="1" name=""/>
+        <p:cNvGrpSpPr/>
+        <p:nvPr/>
+      </p:nvGrpSpPr>
+      <p:grpSpPr>
+        <a:xfrm>
+          <a:off x="0" y="0"/>
+          <a:ext cx="0" cy="0"/>
+          <a:chOff x="0" y="0"/>
+          <a:chExt cx="0" cy="0"/>
+        </a:xfrm>
+      </p:grpSpPr>
+      <p:pic>
+        <p:nvPicPr>
+          <p:cNvPr id="2" name="图片 1"/>
+          <p:cNvPicPr>
+            <a:picLocks noChangeAspect="1"/>
+          </p:cNvPicPr>
+          <p:nvPr/>
+        </p:nvPicPr>
+        <p:blipFill>
+          <a:blip r:embed="rId2"/>
+          <a:stretch>
+            <a:fillRect/>
+          </a:stretch>
+        </p:blipFill>
+        <p:spPr>
+          <a:xfrm>
+            <a:off x="2131930" y="983981"/>
+            <a:ext cx="7619048" cy="5714286"/>
+          </a:xfrm>
+          <a:prstGeom prst="rect">
+            <a:avLst/>
+          </a:prstGeom>
+        </p:spPr>
+      </p:pic>
+      <p:sp>
+        <p:nvSpPr>
+          <p:cNvPr id="3" name="文本框 2"/>
+          <p:cNvSpPr txBox="1"/>
+          <p:nvPr/>
+        </p:nvSpPr>
+        <p:spPr>
+          <a:xfrm>
+            <a:off x="3232597" y="360608"/>
+            <a:ext cx="4043966" cy="463640"/>
+          </a:xfrm>
+          <a:prstGeom prst="rect">
+            <a:avLst/>
+          </a:prstGeom>
+          <a:noFill/>
+        </p:spPr>
+        <p:txBody>
+          <a:bodyPr wrap="square" rtlCol="0">
+            <a:spAutoFit/>
+          </a:bodyPr>
+          <a:lstStyle/>
+          <a:p>
+            <a:endParaRPr lang="zh-CN" altLang="en-US" dirty="0"/>
+          </a:p>
+        </p:txBody>
+      </p:sp>
+    </p:spTree>
+    <p:extLst>
+      <p:ext uri="{BB962C8B-B14F-4D97-AF65-F5344CB8AC3E}">
+        <p14:creationId xmlns:p14="http://schemas.microsoft.com/office/powerpoint/2010/main" val="4291045577"/>
+      </p:ext>
+    </p:extLst>
+  </p:cSld>
+  <p:clrMapOvr>
+    <a:masterClrMapping/>
+  </p:clrMapOvr>
+</p:sld>
+</file>
+
+<file path=ppt/slides/slide3.xml><?xml version="1.0" encoding="utf-8"?>
+<p:sld xmlns:a="http://schemas.openxmlformats.org/drawingml/2006/main" xmlns:r="http://schemas.openxmlformats.org/officeDocument/2006/relationships" xmlns:p="http://schemas.openxmlformats.org/presentationml/2006/main">
+  <p:cSld>
+    <p:spTree>
+      <p:nvGrpSpPr>
+        <p:cNvPr id="1" name=""/>
+        <p:cNvGrpSpPr/>
+        <p:nvPr/>
+      </p:nvGrpSpPr>
+      <p:grpSpPr>
+        <a:xfrm>
+          <a:off x="0" y="0"/>
+          <a:ext cx="0" cy="0"/>
+          <a:chOff x="0" y="0"/>
+          <a:chExt cx="0" cy="0"/>
+        </a:xfrm>
+      </p:grpSpPr>
+      <p:pic>
+        <p:nvPicPr>
+          <p:cNvPr id="2" name="图片 1"/>
+          <p:cNvPicPr>
+            <a:picLocks noChangeAspect="1"/>
+          </p:cNvPicPr>
+          <p:nvPr/>
+        </p:nvPicPr>
+        <p:blipFill>
+          <a:blip r:embed="rId2"/>
+          <a:stretch>
+            <a:fillRect/>
+          </a:stretch>
+        </p:blipFill>
+        <p:spPr>
+          <a:xfrm>
+            <a:off x="270457" y="48775"/>
+            <a:ext cx="9702818" cy="7271034"/>
+          </a:xfrm>
+          <a:prstGeom prst="rect">
+            <a:avLst/>
+          </a:prstGeom>
+        </p:spPr>
+      </p:pic>
+    </p:spTree>
+    <p:extLst>
+      <p:ext uri="{BB962C8B-B14F-4D97-AF65-F5344CB8AC3E}">
+        <p14:creationId xmlns:p14="http://schemas.microsoft.com/office/powerpoint/2010/main" val="727968802"/>
+      </p:ext>
+    </p:extLst>
+  </p:cSld>
+  <p:clrMapOvr>
+    <a:masterClrMapping/>
+  </p:clrMapOvr>
+</p:sld>
+</file>
+
+<file path=ppt/slides/slide4.xml><?xml version="1.0" encoding="utf-8"?>
+<p:sld xmlns:a="http://schemas.openxmlformats.org/drawingml/2006/main" xmlns:r="http://schemas.openxmlformats.org/officeDocument/2006/relationships" xmlns:p="http://schemas.openxmlformats.org/presentationml/2006/main">
+  <p:cSld>
+    <p:spTree>
+      <p:nvGrpSpPr>
+        <p:cNvPr id="1" name=""/>
+        <p:cNvGrpSpPr/>
+        <p:nvPr/>
+      </p:nvGrpSpPr>
+      <p:grpSpPr>
+        <a:xfrm>
+          <a:off x="0" y="0"/>
+          <a:ext cx="0" cy="0"/>
+          <a:chOff x="0" y="0"/>
+          <a:chExt cx="0" cy="0"/>
+        </a:xfrm>
+      </p:grpSpPr>
+      <p:pic>
+        <p:nvPicPr>
+          <p:cNvPr id="2" name="图片 1"/>
+          <p:cNvPicPr>
+            <a:picLocks noChangeAspect="1"/>
+          </p:cNvPicPr>
+          <p:nvPr/>
+        </p:nvPicPr>
+        <p:blipFill>
+          <a:blip r:embed="rId2"/>
+          <a:stretch>
+            <a:fillRect/>
+          </a:stretch>
+        </p:blipFill>
+        <p:spPr>
+          <a:xfrm>
+            <a:off x="2296000" y="581381"/>
+            <a:ext cx="7600000" cy="5695238"/>
+          </a:xfrm>
+          <a:prstGeom prst="rect">
+            <a:avLst/>
+          </a:prstGeom>
+        </p:spPr>
+      </p:pic>
+    </p:spTree>
+    <p:extLst>
+      <p:ext uri="{BB962C8B-B14F-4D97-AF65-F5344CB8AC3E}">
+        <p14:creationId xmlns:p14="http://schemas.microsoft.com/office/powerpoint/2010/main" val="3092255776"/>
+      </p:ext>
+    </p:extLst>
+  </p:cSld>
+  <p:clrMapOvr>
+    <a:masterClrMapping/>
+  </p:clrMapOvr>
+</p:sld>
+</file>
+
+<file path=ppt/slides/slide5.xml><?xml version="1.0" encoding="utf-8"?>
+<p:sld xmlns:a="http://schemas.openxmlformats.org/drawingml/2006/main" xmlns:r="http://schemas.openxmlformats.org/officeDocument/2006/relationships" xmlns:p="http://schemas.openxmlformats.org/presentationml/2006/main">
+  <p:cSld>
+    <p:spTree>
+      <p:nvGrpSpPr>
+        <p:cNvPr id="1" name=""/>
+        <p:cNvGrpSpPr/>
+        <p:nvPr/>
+      </p:nvGrpSpPr>
+      <p:grpSpPr>
+        <a:xfrm>
+          <a:off x="0" y="0"/>
+          <a:ext cx="0" cy="0"/>
+          <a:chOff x="0" y="0"/>
+          <a:chExt cx="0" cy="0"/>
+        </a:xfrm>
+      </p:grpSpPr>
+      <p:pic>
+        <p:nvPicPr>
+          <p:cNvPr id="2" name="图片 1"/>
+          <p:cNvPicPr>
+            <a:picLocks noChangeAspect="1"/>
+          </p:cNvPicPr>
+          <p:nvPr/>
+        </p:nvPicPr>
+        <p:blipFill>
+          <a:blip r:embed="rId2"/>
+          <a:stretch>
+            <a:fillRect/>
+          </a:stretch>
+        </p:blipFill>
+        <p:spPr>
+          <a:xfrm>
+            <a:off x="2281714" y="519476"/>
+            <a:ext cx="7628571" cy="5819048"/>
+          </a:xfrm>
+          <a:prstGeom prst="rect">
+            <a:avLst/>
+          </a:prstGeom>
+        </p:spPr>
+      </p:pic>
+    </p:spTree>
+    <p:extLst>
+      <p:ext uri="{BB962C8B-B14F-4D97-AF65-F5344CB8AC3E}">
+        <p14:creationId xmlns:p14="http://schemas.microsoft.com/office/powerpoint/2010/main" val="2212276834"/>
+      </p:ext>
+    </p:extLst>
+  </p:cSld>
+  <p:clrMapOvr>
+    <a:masterClrMapping/>
+  </p:clrMapOvr>
+</p:sld>
+</file>
+
+<file path=ppt/slides/slide6.xml><?xml version="1.0" encoding="utf-8"?>
 <p:sld xmlns:a="http://schemas.openxmlformats.org/drawingml/2006/main" xmlns:r="http://schemas.openxmlformats.org/officeDocument/2006/relationships" xmlns:p="http://schemas.openxmlformats.org/presentationml/2006/main">
   <p:cSld>
     <p:spTree>
@@ -6827,7 +6857,7 @@
 </p:sld>
 </file>
 
-<file path=ppt/slides/slide3.xml><?xml version="1.0" encoding="utf-8"?>
+<file path=ppt/slides/slide7.xml><?xml version="1.0" encoding="utf-8"?>
 <p:sld xmlns:a="http://schemas.openxmlformats.org/drawingml/2006/main" xmlns:r="http://schemas.openxmlformats.org/officeDocument/2006/relationships" xmlns:p="http://schemas.openxmlformats.org/presentationml/2006/main">
   <p:cSld>
     <p:spTree>
@@ -9912,7 +9942,7 @@
 </p:sld>
 </file>
 
-<file path=ppt/slides/slide4.xml><?xml version="1.0" encoding="utf-8"?>
+<file path=ppt/slides/slide8.xml><?xml version="1.0" encoding="utf-8"?>
 <p:sld xmlns:a="http://schemas.openxmlformats.org/drawingml/2006/main" xmlns:r="http://schemas.openxmlformats.org/officeDocument/2006/relationships" xmlns:p="http://schemas.openxmlformats.org/presentationml/2006/main">
   <p:cSld>
     <p:spTree>
@@ -9970,11 +10000,17 @@
         <p:nvGraphicFramePr>
           <p:cNvPr id="2" name="表格 1"/>
           <p:cNvGraphicFramePr/>
-          <p:nvPr/>
+          <p:nvPr>
+            <p:extLst>
+              <p:ext uri="{D42A27DB-BD31-4B8C-83A1-F6EECF244321}">
+                <p14:modId xmlns:p14="http://schemas.microsoft.com/office/powerpoint/2010/main" val="50423431"/>
+              </p:ext>
+            </p:extLst>
+          </p:nvPr>
         </p:nvGraphicFramePr>
         <p:xfrm>
-          <a:off x="1509395" y="951865"/>
-          <a:ext cx="8851265" cy="4001135"/>
+          <a:off x="1509395" y="1335405"/>
+          <a:ext cx="8851265" cy="3866515"/>
         </p:xfrm>
         <a:graphic>
           <a:graphicData uri="http://schemas.openxmlformats.org/drawingml/2006/table">
@@ -10012,7 +10048,7 @@
                   </a:extLst>
                 </a:gridCol>
               </a:tblGrid>
-              <a:tr h="500380">
+              <a:tr h="0">
                 <a:tc>
                   <a:txBody>
                     <a:bodyPr/>
@@ -10497,7 +10533,7 @@
                       <a:pPr>
                         <a:buNone/>
                       </a:pPr>
-                      <a:endParaRPr lang="zh-CN" altLang="en-US"/>
+                      <a:endParaRPr lang="zh-CN" altLang="en-US" dirty="0"/>
                     </a:p>
                   </a:txBody>
                   <a:tcPr/>
@@ -10711,7 +10747,7 @@
 </p:sld>
 </file>
 
-<file path=ppt/slides/slide5.xml><?xml version="1.0" encoding="utf-8"?>
+<file path=ppt/slides/slide9.xml><?xml version="1.0" encoding="utf-8"?>
 <p:sld xmlns:a="http://schemas.openxmlformats.org/drawingml/2006/main" xmlns:r="http://schemas.openxmlformats.org/officeDocument/2006/relationships" xmlns:p="http://schemas.openxmlformats.org/presentationml/2006/main">
   <p:cSld>
     <p:spTree>
